--- a/PPT/Data Analytics Dashboard.pptx
+++ b/PPT/Data Analytics Dashboard.pptx
@@ -12,7 +12,7 @@
     <p:sldId id="257" r:id="rId6"/>
     <p:sldId id="261" r:id="rId7"/>
     <p:sldId id="264" r:id="rId8"/>
-    <p:sldId id="272" r:id="rId9"/>
+    <p:sldId id="274" r:id="rId9"/>
     <p:sldId id="273" r:id="rId10"/>
     <p:sldId id="271" r:id="rId11"/>
     <p:sldId id="267" r:id="rId12"/>
@@ -4103,6 +4103,13 @@
   <p:clrMapOvr>
     <a:masterClrMapping/>
   </p:clrMapOvr>
+  <p:timing>
+    <p:tnLst>
+      <p:par>
+        <p:cTn id="1" dur="indefinite" restart="never" nodeType="tmRoot"/>
+      </p:par>
+    </p:tnLst>
+  </p:timing>
 </p:sld>
 </file>
 
@@ -4189,9 +4196,6 @@
             <a:pPr algn="just"/>
             <a:r>
               <a:rPr lang="en-US" sz="2400" dirty="0" smtClean="0">
-                <a:solidFill>
-                  <a:srgbClr val="0070C0"/>
-                </a:solidFill>
                 <a:latin typeface="Times New Roman" pitchFamily="18" charset="0"/>
                 <a:cs typeface="Times New Roman" pitchFamily="18" charset="0"/>
               </a:rPr>
@@ -4239,6 +4243,13 @@
   <p:clrMapOvr>
     <a:masterClrMapping/>
   </p:clrMapOvr>
+  <p:timing>
+    <p:tnLst>
+      <p:par>
+        <p:cTn id="1" dur="indefinite" restart="never" nodeType="tmRoot"/>
+      </p:par>
+    </p:tnLst>
+  </p:timing>
 </p:sld>
 </file>
 
@@ -4451,6 +4462,13 @@
   <p:clrMapOvr>
     <a:masterClrMapping/>
   </p:clrMapOvr>
+  <p:timing>
+    <p:tnLst>
+      <p:par>
+        <p:cTn id="1" dur="indefinite" restart="never" nodeType="tmRoot"/>
+      </p:par>
+    </p:tnLst>
+  </p:timing>
 </p:sld>
 </file>
 
@@ -4614,6 +4632,13 @@
   <p:clrMapOvr>
     <a:masterClrMapping/>
   </p:clrMapOvr>
+  <p:timing>
+    <p:tnLst>
+      <p:par>
+        <p:cTn id="1" dur="indefinite" restart="never" nodeType="tmRoot"/>
+      </p:par>
+    </p:tnLst>
+  </p:timing>
 </p:sld>
 </file>
 
@@ -4819,6 +4844,13 @@
   <p:clrMapOvr>
     <a:masterClrMapping/>
   </p:clrMapOvr>
+  <p:timing>
+    <p:tnLst>
+      <p:par>
+        <p:cTn id="1" dur="indefinite" restart="never" nodeType="tmRoot"/>
+      </p:par>
+    </p:tnLst>
+  </p:timing>
 </p:sld>
 </file>
 
@@ -4951,6 +4983,13 @@
   <p:clrMapOvr>
     <a:masterClrMapping/>
   </p:clrMapOvr>
+  <p:timing>
+    <p:tnLst>
+      <p:par>
+        <p:cTn id="1" dur="indefinite" restart="never" nodeType="tmRoot"/>
+      </p:par>
+    </p:tnLst>
+  </p:timing>
 </p:sld>
 </file>
 
@@ -4989,7 +5028,7 @@
         </p:nvSpPr>
         <p:spPr>
           <a:xfrm>
-            <a:off x="409479" y="2281382"/>
+            <a:off x="409479" y="2558473"/>
             <a:ext cx="11256048" cy="2346036"/>
           </a:xfrm>
         </p:spPr>
@@ -5001,7 +5040,7 @@
           <a:p>
             <a:pPr algn="ctr"/>
             <a:r>
-              <a:rPr lang="en-US" sz="16600" b="1" i="1" u="sng" dirty="0" smtClean="0">
+              <a:rPr lang="en-US" sz="19900" b="1" i="1" u="sng" spc="600" dirty="0" smtClean="0">
                 <a:solidFill>
                   <a:schemeClr val="tx1"/>
                 </a:solidFill>
@@ -5011,7 +5050,7 @@
               <a:t>Thank</a:t>
             </a:r>
             <a:r>
-              <a:rPr lang="en-US" sz="16600" b="1" i="1" dirty="0" smtClean="0">
+              <a:rPr lang="en-US" sz="19900" b="1" i="1" spc="600" dirty="0" smtClean="0">
                 <a:solidFill>
                   <a:schemeClr val="tx1"/>
                 </a:solidFill>
@@ -5021,7 +5060,7 @@
               <a:t> </a:t>
             </a:r>
             <a:r>
-              <a:rPr lang="en-US" sz="16600" b="1" i="1" u="sng" dirty="0" smtClean="0">
+              <a:rPr lang="en-US" sz="19900" b="1" i="1" u="sng" spc="600" dirty="0" smtClean="0">
                 <a:solidFill>
                   <a:schemeClr val="tx1"/>
                 </a:solidFill>
@@ -5030,7 +5069,7 @@
               </a:rPr>
               <a:t>You</a:t>
             </a:r>
-            <a:endParaRPr lang="en-IN" sz="16600" b="1" i="1" u="sng" dirty="0">
+            <a:endParaRPr lang="en-IN" sz="19900" b="1" i="1" u="sng" spc="600" dirty="0">
               <a:solidFill>
                 <a:schemeClr val="tx1"/>
               </a:solidFill>
@@ -5050,6 +5089,13 @@
   <p:clrMapOvr>
     <a:masterClrMapping/>
   </p:clrMapOvr>
+  <p:timing>
+    <p:tnLst>
+      <p:par>
+        <p:cTn id="1" dur="indefinite" restart="never" nodeType="tmRoot"/>
+      </p:par>
+    </p:tnLst>
+  </p:timing>
 </p:sld>
 </file>
 
@@ -5138,14 +5184,14 @@
               </a:lnSpc>
             </a:pPr>
             <a:r>
-              <a:rPr lang="en-US" sz="2400" dirty="0" smtClean="0">
+              <a:rPr lang="en-US" sz="2800" dirty="0" smtClean="0">
                 <a:latin typeface="Times New Roman" pitchFamily="18" charset="0"/>
                 <a:cs typeface="Times New Roman" pitchFamily="18" charset="0"/>
               </a:rPr>
               <a:t>An analytics dashboard is</a:t>
             </a:r>
             <a:r>
-              <a:rPr lang="en-US" sz="2400" dirty="0" smtClean="0">
+              <a:rPr lang="en-US" sz="2800" dirty="0" smtClean="0">
                 <a:latin typeface="Times New Roman" pitchFamily="18" charset="0"/>
                 <a:cs typeface="Times New Roman" pitchFamily="18" charset="0"/>
               </a:rPr>
@@ -5159,14 +5205,14 @@
               </a:lnSpc>
             </a:pPr>
             <a:r>
-              <a:rPr lang="en-US" sz="2400" dirty="0" smtClean="0">
+              <a:rPr lang="en-US" sz="2800" dirty="0" smtClean="0">
                 <a:latin typeface="Times New Roman" pitchFamily="18" charset="0"/>
                 <a:cs typeface="Times New Roman" pitchFamily="18" charset="0"/>
               </a:rPr>
               <a:t>It enables analysts to easily monitor the performance of a digital products</a:t>
             </a:r>
             <a:r>
-              <a:rPr lang="en-US" sz="2400" dirty="0" smtClean="0">
+              <a:rPr lang="en-US" sz="2800" dirty="0" smtClean="0">
                 <a:latin typeface="Times New Roman" pitchFamily="18" charset="0"/>
                 <a:cs typeface="Times New Roman" pitchFamily="18" charset="0"/>
               </a:rPr>
@@ -5180,28 +5226,28 @@
               </a:lnSpc>
             </a:pPr>
             <a:r>
-              <a:rPr lang="en-US" sz="2400" dirty="0" smtClean="0">
+              <a:rPr lang="en-US" sz="2800" dirty="0" smtClean="0">
                 <a:latin typeface="Times New Roman" pitchFamily="18" charset="0"/>
                 <a:cs typeface="Times New Roman" pitchFamily="18" charset="0"/>
               </a:rPr>
               <a:t>Data Analytics </a:t>
             </a:r>
             <a:r>
-              <a:rPr lang="en-US" sz="2400" dirty="0" smtClean="0">
+              <a:rPr lang="en-US" sz="2800" dirty="0" smtClean="0">
                 <a:latin typeface="Times New Roman" pitchFamily="18" charset="0"/>
                 <a:cs typeface="Times New Roman" pitchFamily="18" charset="0"/>
               </a:rPr>
               <a:t>Dashboard is a </a:t>
             </a:r>
             <a:r>
-              <a:rPr lang="en-US" sz="2400" dirty="0" smtClean="0">
+              <a:rPr lang="en-US" sz="2800" dirty="0" smtClean="0">
                 <a:latin typeface="Times New Roman" pitchFamily="18" charset="0"/>
                 <a:cs typeface="Times New Roman" pitchFamily="18" charset="0"/>
               </a:rPr>
               <a:t>the credit monitoring unit of Axis Bank for wholesale banking </a:t>
             </a:r>
             <a:r>
-              <a:rPr lang="en-US" sz="2400" dirty="0" smtClean="0">
+              <a:rPr lang="en-US" sz="2800" dirty="0" smtClean="0">
                 <a:latin typeface="Times New Roman" pitchFamily="18" charset="0"/>
                 <a:cs typeface="Times New Roman" pitchFamily="18" charset="0"/>
               </a:rPr>
@@ -5224,6 +5270,13 @@
   <p:clrMapOvr>
     <a:masterClrMapping/>
   </p:clrMapOvr>
+  <p:timing>
+    <p:tnLst>
+      <p:par>
+        <p:cTn id="1" dur="indefinite" restart="never" nodeType="tmRoot"/>
+      </p:par>
+    </p:tnLst>
+  </p:timing>
 </p:sld>
 </file>
 
@@ -5319,7 +5372,7 @@
               </a:lnSpc>
             </a:pPr>
             <a:r>
-              <a:rPr lang="en-IN" sz="2400" b="1" dirty="0">
+              <a:rPr lang="en-IN" sz="2800" dirty="0">
                 <a:latin typeface="Times New Roman" pitchFamily="18" charset="0"/>
                 <a:cs typeface="Times New Roman" pitchFamily="18" charset="0"/>
               </a:rPr>
@@ -5333,7 +5386,7 @@
               </a:lnSpc>
             </a:pPr>
             <a:r>
-              <a:rPr lang="en-IN" sz="2400" b="1" dirty="0" smtClean="0">
+              <a:rPr lang="en-IN" sz="2800" dirty="0" smtClean="0">
                 <a:latin typeface="Times New Roman" pitchFamily="18" charset="0"/>
                 <a:cs typeface="Times New Roman" pitchFamily="18" charset="0"/>
               </a:rPr>
@@ -5347,14 +5400,14 @@
               </a:lnSpc>
             </a:pPr>
             <a:r>
-              <a:rPr lang="en-IN" sz="2400" b="1" dirty="0" smtClean="0">
+              <a:rPr lang="en-IN" sz="2800" dirty="0" smtClean="0">
                 <a:latin typeface="Times New Roman" pitchFamily="18" charset="0"/>
                 <a:cs typeface="Times New Roman" pitchFamily="18" charset="0"/>
               </a:rPr>
               <a:t>VS </a:t>
             </a:r>
             <a:r>
-              <a:rPr lang="en-IN" sz="2400" b="1" dirty="0">
+              <a:rPr lang="en-IN" sz="2800" dirty="0">
                 <a:latin typeface="Times New Roman" pitchFamily="18" charset="0"/>
                 <a:cs typeface="Times New Roman" pitchFamily="18" charset="0"/>
               </a:rPr>
@@ -5368,7 +5421,7 @@
               </a:lnSpc>
             </a:pPr>
             <a:r>
-              <a:rPr lang="en-IN" sz="2400" b="1" dirty="0">
+              <a:rPr lang="en-IN" sz="2800" dirty="0">
                 <a:latin typeface="Times New Roman" pitchFamily="18" charset="0"/>
                 <a:cs typeface="Times New Roman" pitchFamily="18" charset="0"/>
               </a:rPr>
@@ -5387,6 +5440,13 @@
   <p:clrMapOvr>
     <a:masterClrMapping/>
   </p:clrMapOvr>
+  <p:timing>
+    <p:tnLst>
+      <p:par>
+        <p:cTn id="1" dur="indefinite" restart="never" nodeType="tmRoot"/>
+      </p:par>
+    </p:tnLst>
+  </p:timing>
 </p:sld>
 </file>
 
@@ -5482,21 +5542,21 @@
               </a:lnSpc>
             </a:pPr>
             <a:r>
-              <a:rPr lang="en-IN" sz="2400" b="1" dirty="0" smtClean="0">
+              <a:rPr lang="en-IN" sz="2400" dirty="0" smtClean="0">
                 <a:latin typeface="Times New Roman" pitchFamily="18" charset="0"/>
                 <a:cs typeface="Times New Roman" pitchFamily="18" charset="0"/>
               </a:rPr>
               <a:t>Spring </a:t>
             </a:r>
             <a:r>
-              <a:rPr lang="en-IN" sz="2400" b="1" dirty="0" smtClean="0">
+              <a:rPr lang="en-IN" sz="2400" dirty="0" smtClean="0">
                 <a:latin typeface="Times New Roman" pitchFamily="18" charset="0"/>
                 <a:cs typeface="Times New Roman" pitchFamily="18" charset="0"/>
               </a:rPr>
               <a:t>boot	 </a:t>
             </a:r>
             <a:r>
-              <a:rPr lang="en-IN" sz="2400" b="1" dirty="0" smtClean="0">
+              <a:rPr lang="en-IN" sz="2400" dirty="0" smtClean="0">
                 <a:latin typeface="Times New Roman" pitchFamily="18" charset="0"/>
                 <a:cs typeface="Times New Roman" pitchFamily="18" charset="0"/>
               </a:rPr>
@@ -5510,34 +5570,34 @@
               </a:lnSpc>
             </a:pPr>
             <a:r>
-              <a:rPr lang="en-IN" sz="2400" b="1" dirty="0" smtClean="0">
+              <a:rPr lang="en-IN" sz="2400" dirty="0" smtClean="0">
                 <a:latin typeface="Times New Roman" pitchFamily="18" charset="0"/>
                 <a:cs typeface="Times New Roman" pitchFamily="18" charset="0"/>
               </a:rPr>
               <a:t>Kafka </a:t>
             </a:r>
             <a:r>
-              <a:rPr lang="en-IN" sz="2400" b="1" dirty="0" smtClean="0">
+              <a:rPr lang="en-IN" sz="2400" dirty="0" smtClean="0">
                 <a:latin typeface="Times New Roman" pitchFamily="18" charset="0"/>
                 <a:cs typeface="Times New Roman" pitchFamily="18" charset="0"/>
               </a:rPr>
               <a:t>	</a:t>
             </a:r>
             <a:r>
-              <a:rPr lang="en-IN" sz="2400" b="1" dirty="0" smtClean="0">
+              <a:rPr lang="en-IN" sz="2400" dirty="0" smtClean="0">
                 <a:latin typeface="Times New Roman" pitchFamily="18" charset="0"/>
                 <a:cs typeface="Times New Roman" pitchFamily="18" charset="0"/>
               </a:rPr>
               <a:t> </a:t>
             </a:r>
             <a:r>
-              <a:rPr lang="en-IN" sz="2400" b="1" dirty="0" smtClean="0">
+              <a:rPr lang="en-IN" sz="2400" dirty="0" smtClean="0">
                 <a:latin typeface="Times New Roman" pitchFamily="18" charset="0"/>
                 <a:cs typeface="Times New Roman" pitchFamily="18" charset="0"/>
               </a:rPr>
               <a:t>: 9092</a:t>
             </a:r>
-            <a:endParaRPr lang="en-IN" sz="2400" b="1" dirty="0" smtClean="0">
+            <a:endParaRPr lang="en-IN" sz="2400" dirty="0" smtClean="0">
               <a:latin typeface="Times New Roman" pitchFamily="18" charset="0"/>
               <a:cs typeface="Times New Roman" pitchFamily="18" charset="0"/>
             </a:endParaRPr>
@@ -5549,20 +5609,20 @@
               </a:lnSpc>
             </a:pPr>
             <a:r>
-              <a:rPr lang="en-IN" sz="2400" b="1" dirty="0" smtClean="0">
+              <a:rPr lang="en-IN" sz="2400" dirty="0" smtClean="0">
                 <a:latin typeface="Times New Roman" pitchFamily="18" charset="0"/>
                 <a:cs typeface="Times New Roman" pitchFamily="18" charset="0"/>
               </a:rPr>
               <a:t>React </a:t>
             </a:r>
             <a:r>
-              <a:rPr lang="en-IN" sz="2400" b="1" dirty="0" smtClean="0">
+              <a:rPr lang="en-IN" sz="2400" dirty="0" smtClean="0">
                 <a:latin typeface="Times New Roman" pitchFamily="18" charset="0"/>
                 <a:cs typeface="Times New Roman" pitchFamily="18" charset="0"/>
               </a:rPr>
               <a:t>Js	 : 3000</a:t>
             </a:r>
-            <a:endParaRPr lang="en-IN" sz="2400" b="1" dirty="0" smtClean="0">
+            <a:endParaRPr lang="en-IN" sz="2400" dirty="0" smtClean="0">
               <a:latin typeface="Times New Roman" pitchFamily="18" charset="0"/>
               <a:cs typeface="Times New Roman" pitchFamily="18" charset="0"/>
             </a:endParaRPr>
@@ -5574,21 +5634,21 @@
               </a:lnSpc>
             </a:pPr>
             <a:r>
-              <a:rPr lang="en-IN" sz="2400" b="1" dirty="0" smtClean="0">
+              <a:rPr lang="en-IN" sz="2400" dirty="0" smtClean="0">
                 <a:latin typeface="Times New Roman" pitchFamily="18" charset="0"/>
                 <a:cs typeface="Times New Roman" pitchFamily="18" charset="0"/>
               </a:rPr>
               <a:t>MongoDB </a:t>
             </a:r>
             <a:r>
-              <a:rPr lang="en-IN" sz="2400" b="1" dirty="0" smtClean="0">
+              <a:rPr lang="en-IN" sz="2400" dirty="0" smtClean="0">
                 <a:latin typeface="Times New Roman" pitchFamily="18" charset="0"/>
                 <a:cs typeface="Times New Roman" pitchFamily="18" charset="0"/>
               </a:rPr>
               <a:t>	 : </a:t>
             </a:r>
             <a:r>
-              <a:rPr lang="en-IN" sz="2400" b="1" dirty="0" smtClean="0">
+              <a:rPr lang="en-IN" sz="2400" dirty="0" smtClean="0">
                 <a:latin typeface="Times New Roman" pitchFamily="18" charset="0"/>
                 <a:cs typeface="Times New Roman" pitchFamily="18" charset="0"/>
               </a:rPr>
@@ -5613,6 +5673,13 @@
   <p:clrMapOvr>
     <a:masterClrMapping/>
   </p:clrMapOvr>
+  <p:timing>
+    <p:tnLst>
+      <p:par>
+        <p:cTn id="1" dur="indefinite" restart="never" nodeType="tmRoot"/>
+      </p:par>
+    </p:tnLst>
+  </p:timing>
 </p:sld>
 </file>
 
@@ -5918,7 +5985,7 @@
           <a:p>
             <a:pPr algn="ctr"/>
             <a:r>
-              <a:rPr lang="en-IN" sz="1400" b="1" dirty="0">
+              <a:rPr lang="en-IN" b="1" dirty="0">
                 <a:solidFill>
                   <a:srgbClr val="0070C0"/>
                 </a:solidFill>
@@ -6954,6 +7021,13 @@
   <p:clrMapOvr>
     <a:masterClrMapping/>
   </p:clrMapOvr>
+  <p:timing>
+    <p:tnLst>
+      <p:par>
+        <p:cTn id="1" dur="indefinite" restart="never" nodeType="tmRoot"/>
+      </p:par>
+    </p:tnLst>
+  </p:timing>
 </p:sld>
 </file>
 
@@ -7060,7 +7134,7 @@
                 <a:latin typeface="Times New Roman" pitchFamily="18" charset="0"/>
                 <a:cs typeface="Times New Roman" pitchFamily="18" charset="0"/>
               </a:rPr>
-              <a:t>Using Java Spring Boot to fetch data from the MongoDB table</a:t>
+              <a:t>Spring boot is used in backend, where we can perform some business logics.</a:t>
             </a:r>
           </a:p>
           <a:p>
@@ -7074,7 +7148,49 @@
                 <a:latin typeface="Times New Roman" pitchFamily="18" charset="0"/>
                 <a:cs typeface="Times New Roman" pitchFamily="18" charset="0"/>
               </a:rPr>
-              <a:t>Creating a web interface to show data visualizations for the analytics dashboards</a:t>
+              <a:t>Apache </a:t>
+            </a:r>
+            <a:r>
+              <a:rPr lang="en-US" sz="2400" dirty="0" smtClean="0">
+                <a:latin typeface="Times New Roman" pitchFamily="18" charset="0"/>
+                <a:cs typeface="Times New Roman" pitchFamily="18" charset="0"/>
+              </a:rPr>
+              <a:t>Kafka is used to </a:t>
+            </a:r>
+            <a:r>
+              <a:rPr lang="en-US" sz="2400" dirty="0" smtClean="0">
+                <a:latin typeface="Times New Roman" pitchFamily="18" charset="0"/>
+                <a:cs typeface="Times New Roman" pitchFamily="18" charset="0"/>
+              </a:rPr>
+              <a:t>create </a:t>
+            </a:r>
+            <a:r>
+              <a:rPr lang="en-US" sz="2400" dirty="0" smtClean="0">
+                <a:latin typeface="Times New Roman" pitchFamily="18" charset="0"/>
+                <a:cs typeface="Times New Roman" pitchFamily="18" charset="0"/>
+              </a:rPr>
+              <a:t>a data </a:t>
+            </a:r>
+            <a:r>
+              <a:rPr lang="en-US" sz="2400" dirty="0" smtClean="0">
+                <a:latin typeface="Times New Roman" pitchFamily="18" charset="0"/>
+                <a:cs typeface="Times New Roman" pitchFamily="18" charset="0"/>
+              </a:rPr>
+              <a:t>pipeline for </a:t>
+            </a:r>
+            <a:r>
+              <a:rPr lang="en-US" sz="2400" dirty="0" smtClean="0">
+                <a:latin typeface="Times New Roman" pitchFamily="18" charset="0"/>
+                <a:cs typeface="Times New Roman" pitchFamily="18" charset="0"/>
+              </a:rPr>
+              <a:t>mongoDB and </a:t>
+            </a:r>
+            <a:r>
+              <a:rPr lang="en-US" sz="2400" dirty="0" smtClean="0">
+                <a:latin typeface="Times New Roman" pitchFamily="18" charset="0"/>
+                <a:cs typeface="Times New Roman" pitchFamily="18" charset="0"/>
+              </a:rPr>
+              <a:t>spring boot application.</a:t>
             </a:r>
           </a:p>
           <a:p>
@@ -7088,7 +7204,14 @@
                 <a:latin typeface="Times New Roman" pitchFamily="18" charset="0"/>
                 <a:cs typeface="Times New Roman" pitchFamily="18" charset="0"/>
               </a:rPr>
-              <a:t>Download link for an excel file with the list of customers listed in the data </a:t>
+              <a:t>MongoDB </a:t>
+            </a:r>
+            <a:r>
+              <a:rPr lang="en-US" sz="2400" dirty="0" smtClean="0">
+                <a:latin typeface="Times New Roman" pitchFamily="18" charset="0"/>
+                <a:cs typeface="Times New Roman" pitchFamily="18" charset="0"/>
+              </a:rPr>
+              <a:t>is used to store data </a:t>
             </a:r>
           </a:p>
           <a:p>
@@ -7102,7 +7225,21 @@
                 <a:latin typeface="Times New Roman" pitchFamily="18" charset="0"/>
                 <a:cs typeface="Times New Roman" pitchFamily="18" charset="0"/>
               </a:rPr>
-              <a:t>Using Apache Kafka to create a data pipeline to connect to MongoDB</a:t>
+              <a:t>React Js </a:t>
+            </a:r>
+            <a:r>
+              <a:rPr lang="en-US" sz="2400" dirty="0" smtClean="0">
+                <a:latin typeface="Times New Roman" pitchFamily="18" charset="0"/>
+                <a:cs typeface="Times New Roman" pitchFamily="18" charset="0"/>
+              </a:rPr>
+              <a:t>is used in </a:t>
+            </a:r>
+            <a:r>
+              <a:rPr lang="en-US" sz="2400" dirty="0" smtClean="0">
+                <a:latin typeface="Times New Roman" pitchFamily="18" charset="0"/>
+                <a:cs typeface="Times New Roman" pitchFamily="18" charset="0"/>
+              </a:rPr>
+              <a:t>frontend for user interface.</a:t>
             </a:r>
           </a:p>
           <a:p>
@@ -7116,16 +7253,23 @@
                 <a:latin typeface="Times New Roman" pitchFamily="18" charset="0"/>
                 <a:cs typeface="Times New Roman" pitchFamily="18" charset="0"/>
               </a:rPr>
-              <a:t>Storing </a:t>
+              <a:t>Creating </a:t>
             </a:r>
             <a:r>
               <a:rPr lang="en-US" sz="2400" dirty="0" smtClean="0">
                 <a:latin typeface="Times New Roman" pitchFamily="18" charset="0"/>
                 <a:cs typeface="Times New Roman" pitchFamily="18" charset="0"/>
               </a:rPr>
-              <a:t>the data file in MongoDB</a:t>
-            </a:r>
-            <a:endParaRPr lang="en-IN" sz="2400" dirty="0">
+              <a:t>a web interface to show data visualizations for the analytics </a:t>
+            </a:r>
+            <a:r>
+              <a:rPr lang="en-US" sz="2400" dirty="0" smtClean="0">
+                <a:latin typeface="Times New Roman" pitchFamily="18" charset="0"/>
+                <a:cs typeface="Times New Roman" pitchFamily="18" charset="0"/>
+              </a:rPr>
+              <a:t>dashboard.</a:t>
+            </a:r>
+            <a:endParaRPr lang="en-US" sz="2400" dirty="0" smtClean="0">
               <a:latin typeface="Times New Roman" pitchFamily="18" charset="0"/>
               <a:cs typeface="Times New Roman" pitchFamily="18" charset="0"/>
             </a:endParaRPr>
@@ -7142,6 +7286,13 @@
   <p:clrMapOvr>
     <a:masterClrMapping/>
   </p:clrMapOvr>
+  <p:timing>
+    <p:tnLst>
+      <p:par>
+        <p:cTn id="1" dur="indefinite" restart="never" nodeType="tmRoot"/>
+      </p:par>
+    </p:tnLst>
+  </p:timing>
 </p:sld>
 </file>
 
@@ -7174,7 +7325,7 @@
         </p:nvSpPr>
         <p:spPr>
           <a:xfrm>
-            <a:off x="609600" y="0"/>
+            <a:off x="461818" y="-157018"/>
             <a:ext cx="10972800" cy="1143000"/>
           </a:xfrm>
         </p:spPr>
@@ -7218,7 +7369,7 @@
         </p:nvSpPr>
         <p:spPr>
           <a:xfrm>
-            <a:off x="609600" y="1492135"/>
+            <a:off x="554181" y="1178098"/>
             <a:ext cx="10972800" cy="4389120"/>
           </a:xfrm>
         </p:spPr>
@@ -7234,14 +7385,28 @@
               </a:lnSpc>
             </a:pPr>
             <a:r>
-              <a:rPr lang="en-US" sz="2400" dirty="0" smtClean="0">
-                <a:latin typeface="Times New Roman" pitchFamily="18" charset="0"/>
-                <a:cs typeface="Times New Roman" pitchFamily="18" charset="0"/>
-              </a:rPr>
-              <a:t>Total Interest Payment by CBO SRM - Visualizes the total amount of interest payment to be received from all customers mapped to a specific CBO SRM. This slide includes a bar chart to display the total interest payment for each CBO SRM</a:t>
-            </a:r>
-            <a:r>
-              <a:rPr lang="en-US" sz="2400" dirty="0" smtClean="0">
+              <a:rPr lang="en-US" sz="2000" dirty="0" smtClean="0">
+                <a:latin typeface="Times New Roman" pitchFamily="18" charset="0"/>
+                <a:cs typeface="Times New Roman" pitchFamily="18" charset="0"/>
+              </a:rPr>
+              <a:t>Total Interest Payment by CBO SRM - Visualizes the total amount of interest payment to be received from all customers mapped to a specific CBO SRM. This slide includes a </a:t>
+            </a:r>
+            <a:r>
+              <a:rPr lang="en-US" sz="2000" dirty="0" smtClean="0">
+                <a:latin typeface="Times New Roman" pitchFamily="18" charset="0"/>
+                <a:cs typeface="Times New Roman" pitchFamily="18" charset="0"/>
+              </a:rPr>
+              <a:t>line chart </a:t>
+            </a:r>
+            <a:r>
+              <a:rPr lang="en-US" sz="2000" dirty="0" smtClean="0">
+                <a:latin typeface="Times New Roman" pitchFamily="18" charset="0"/>
+                <a:cs typeface="Times New Roman" pitchFamily="18" charset="0"/>
+              </a:rPr>
+              <a:t>to display the total interest payment for each CBO SRM</a:t>
+            </a:r>
+            <a:r>
+              <a:rPr lang="en-US" sz="2000" dirty="0" smtClean="0">
                 <a:latin typeface="Times New Roman" pitchFamily="18" charset="0"/>
                 <a:cs typeface="Times New Roman" pitchFamily="18" charset="0"/>
               </a:rPr>
@@ -7254,10 +7419,41 @@
                 <a:spcPct val="150000"/>
               </a:lnSpc>
             </a:pPr>
-            <a:endParaRPr lang="en-US" sz="2400" dirty="0" smtClean="0">
-              <a:latin typeface="Times New Roman" pitchFamily="18" charset="0"/>
-              <a:cs typeface="Times New Roman" pitchFamily="18" charset="0"/>
-            </a:endParaRPr>
+            <a:r>
+              <a:rPr lang="en-US" sz="2000" dirty="0" smtClean="0">
+                <a:latin typeface="Times New Roman" pitchFamily="18" charset="0"/>
+                <a:cs typeface="Times New Roman" pitchFamily="18" charset="0"/>
+              </a:rPr>
+              <a:t>Total </a:t>
+            </a:r>
+            <a:r>
+              <a:rPr lang="en-US" sz="2000" dirty="0" smtClean="0">
+                <a:latin typeface="Times New Roman" pitchFamily="18" charset="0"/>
+                <a:cs typeface="Times New Roman" pitchFamily="18" charset="0"/>
+              </a:rPr>
+              <a:t>Interest Payment by SOL ID - Visualizes the total amount of interest payment to be received from all customers mapped to a specific SOL ID. This slide includes a </a:t>
+            </a:r>
+            <a:r>
+              <a:rPr lang="en-US" sz="2000" dirty="0" smtClean="0">
+                <a:latin typeface="Times New Roman" pitchFamily="18" charset="0"/>
+                <a:cs typeface="Times New Roman" pitchFamily="18" charset="0"/>
+              </a:rPr>
+              <a:t>line chart </a:t>
+            </a:r>
+            <a:r>
+              <a:rPr lang="en-US" sz="2000" dirty="0" smtClean="0">
+                <a:latin typeface="Times New Roman" pitchFamily="18" charset="0"/>
+                <a:cs typeface="Times New Roman" pitchFamily="18" charset="0"/>
+              </a:rPr>
+              <a:t>to display the total interest payment for each SOL ID</a:t>
+            </a:r>
+            <a:r>
+              <a:rPr lang="en-US" sz="2000" dirty="0" smtClean="0">
+                <a:latin typeface="Times New Roman" pitchFamily="18" charset="0"/>
+                <a:cs typeface="Times New Roman" pitchFamily="18" charset="0"/>
+              </a:rPr>
+              <a:t>.</a:t>
+            </a:r>
           </a:p>
           <a:p>
             <a:pPr algn="just">
@@ -7266,11 +7462,25 @@
               </a:lnSpc>
             </a:pPr>
             <a:r>
-              <a:rPr lang="en-US" sz="2400" dirty="0" smtClean="0">
-                <a:latin typeface="Times New Roman" pitchFamily="18" charset="0"/>
-                <a:cs typeface="Times New Roman" pitchFamily="18" charset="0"/>
-              </a:rPr>
-              <a:t>Total Interest Payment by SOL ID - Visualizes the total amount of interest payment to be received from all customers mapped to a specific SOL ID. This slide includes a bar chart to display the total interest payment for each SOL ID.</a:t>
+              <a:rPr lang="en-US" sz="2000" dirty="0" smtClean="0">
+                <a:latin typeface="Times New Roman" pitchFamily="18" charset="0"/>
+                <a:cs typeface="Times New Roman" pitchFamily="18" charset="0"/>
+              </a:rPr>
+              <a:t>Failure reason </a:t>
+            </a:r>
+            <a:r>
+              <a:rPr lang="en-US" sz="2000" dirty="0" smtClean="0">
+                <a:latin typeface="Times New Roman" pitchFamily="18" charset="0"/>
+                <a:cs typeface="Times New Roman" pitchFamily="18" charset="0"/>
+              </a:rPr>
+              <a:t>1 and 4 by SOL ID - Visualizes the number of cases  marked with failure reasons 1 and 4 by SOL </a:t>
+            </a:r>
+            <a:r>
+              <a:rPr lang="en-US" sz="2000" dirty="0" smtClean="0">
+                <a:latin typeface="Times New Roman" pitchFamily="18" charset="0"/>
+                <a:cs typeface="Times New Roman" pitchFamily="18" charset="0"/>
+              </a:rPr>
+              <a:t>ID</a:t>
             </a:r>
           </a:p>
           <a:p>
@@ -7278,9 +7488,78 @@
               <a:lnSpc>
                 <a:spcPct val="150000"/>
               </a:lnSpc>
-              <a:buNone/>
             </a:pPr>
-            <a:endParaRPr lang="en-US" sz="2400" dirty="0" smtClean="0">
+            <a:r>
+              <a:rPr lang="en-US" sz="2000" dirty="0" smtClean="0">
+                <a:latin typeface="Times New Roman" pitchFamily="18" charset="0"/>
+                <a:cs typeface="Times New Roman" pitchFamily="18" charset="0"/>
+              </a:rPr>
+              <a:t>Failure reason </a:t>
+            </a:r>
+            <a:r>
+              <a:rPr lang="en-US" sz="2000" dirty="0" smtClean="0">
+                <a:latin typeface="Times New Roman" pitchFamily="18" charset="0"/>
+                <a:cs typeface="Times New Roman" pitchFamily="18" charset="0"/>
+              </a:rPr>
+              <a:t>1 </a:t>
+            </a:r>
+            <a:r>
+              <a:rPr lang="en-US" sz="2000" dirty="0" smtClean="0">
+                <a:latin typeface="Times New Roman" pitchFamily="18" charset="0"/>
+                <a:cs typeface="Times New Roman" pitchFamily="18" charset="0"/>
+              </a:rPr>
+              <a:t>by CBO SRM </a:t>
+            </a:r>
+          </a:p>
+          <a:p>
+            <a:pPr algn="just">
+              <a:lnSpc>
+                <a:spcPct val="150000"/>
+              </a:lnSpc>
+            </a:pPr>
+            <a:r>
+              <a:rPr lang="en-US" sz="2000" dirty="0" smtClean="0">
+                <a:latin typeface="Times New Roman" pitchFamily="18" charset="0"/>
+                <a:cs typeface="Times New Roman" pitchFamily="18" charset="0"/>
+              </a:rPr>
+              <a:t>Failure reason </a:t>
+            </a:r>
+            <a:r>
+              <a:rPr lang="en-US" sz="2000" dirty="0" smtClean="0">
+                <a:latin typeface="Times New Roman" pitchFamily="18" charset="0"/>
+                <a:cs typeface="Times New Roman" pitchFamily="18" charset="0"/>
+              </a:rPr>
+              <a:t>4 </a:t>
+            </a:r>
+            <a:r>
+              <a:rPr lang="en-US" sz="2000" dirty="0" smtClean="0">
+                <a:latin typeface="Times New Roman" pitchFamily="18" charset="0"/>
+                <a:cs typeface="Times New Roman" pitchFamily="18" charset="0"/>
+              </a:rPr>
+              <a:t>by CBO SRM</a:t>
+            </a:r>
+          </a:p>
+          <a:p>
+            <a:pPr algn="just">
+              <a:lnSpc>
+                <a:spcPct val="150000"/>
+              </a:lnSpc>
+            </a:pPr>
+            <a:r>
+              <a:rPr lang="en-US" sz="2000" dirty="0" smtClean="0">
+                <a:latin typeface="Times New Roman" pitchFamily="18" charset="0"/>
+                <a:cs typeface="Times New Roman" pitchFamily="18" charset="0"/>
+              </a:rPr>
+              <a:t>Good Customers by CBO </a:t>
+            </a:r>
+            <a:r>
+              <a:rPr lang="en-US" sz="2000" dirty="0" smtClean="0">
+                <a:latin typeface="Times New Roman" pitchFamily="18" charset="0"/>
+                <a:cs typeface="Times New Roman" pitchFamily="18" charset="0"/>
+              </a:rPr>
+              <a:t>SRM</a:t>
+            </a:r>
+            <a:endParaRPr lang="en-US" sz="2000" dirty="0" smtClean="0">
               <a:latin typeface="Times New Roman" pitchFamily="18" charset="0"/>
               <a:cs typeface="Times New Roman" pitchFamily="18" charset="0"/>
             </a:endParaRPr>
@@ -7292,6 +7571,13 @@
   <p:clrMapOvr>
     <a:masterClrMapping/>
   </p:clrMapOvr>
+  <p:timing>
+    <p:tnLst>
+      <p:par>
+        <p:cTn id="1" dur="indefinite" restart="never" nodeType="tmRoot"/>
+      </p:par>
+    </p:tnLst>
+  </p:timing>
 </p:sld>
 </file>
 
@@ -7314,134 +7600,139 @@
       </p:grpSpPr>
       <p:sp>
         <p:nvSpPr>
-          <p:cNvPr id="3" name="Content Placeholder 2"/>
-          <p:cNvSpPr>
-            <a:spLocks noGrp="1"/>
-          </p:cNvSpPr>
-          <p:nvPr>
-            <p:ph idx="1"/>
+          <p:cNvPr id="2" name="Title 1"/>
+          <p:cNvSpPr>
+            <a:spLocks noGrp="1"/>
+          </p:cNvSpPr>
+          <p:nvPr>
+            <p:ph type="title"/>
           </p:nvPr>
         </p:nvSpPr>
         <p:spPr>
           <a:xfrm>
-            <a:off x="628073" y="1030316"/>
-            <a:ext cx="10972800" cy="4389120"/>
-          </a:xfrm>
-        </p:spPr>
+            <a:off x="498763" y="426997"/>
+            <a:ext cx="10972800" cy="1143000"/>
+          </a:xfrm>
+        </p:spPr>
+        <p:txBody>
+          <a:bodyPr/>
+          <a:lstStyle/>
+          <a:p>
+            <a:r>
+              <a:rPr lang="en-US" sz="4000" b="1" dirty="0" smtClean="0">
+                <a:solidFill>
+                  <a:srgbClr val="FF0000"/>
+                </a:solidFill>
+                <a:latin typeface="Times New Roman" pitchFamily="18" charset="0"/>
+                <a:cs typeface="Times New Roman" pitchFamily="18" charset="0"/>
+              </a:rPr>
+              <a:t>Reasons</a:t>
+            </a:r>
+            <a:endParaRPr lang="en-US" sz="3600" b="1" dirty="0" smtClean="0">
+              <a:solidFill>
+                <a:srgbClr val="FF0000"/>
+              </a:solidFill>
+              <a:latin typeface="Times New Roman" pitchFamily="18" charset="0"/>
+              <a:cs typeface="Times New Roman" pitchFamily="18" charset="0"/>
+            </a:endParaRPr>
+          </a:p>
+        </p:txBody>
+      </p:sp>
+      <p:sp>
+        <p:nvSpPr>
+          <p:cNvPr id="3" name="Content Placeholder 2"/>
+          <p:cNvSpPr>
+            <a:spLocks noGrp="1"/>
+          </p:cNvSpPr>
+          <p:nvPr>
+            <p:ph idx="1"/>
+          </p:nvPr>
+        </p:nvSpPr>
+        <p:spPr/>
         <p:txBody>
           <a:bodyPr>
-            <a:normAutofit fontScale="92500" lnSpcReduction="20000"/>
+            <a:normAutofit/>
           </a:bodyPr>
           <a:lstStyle/>
           <a:p>
-            <a:pPr algn="just">
+            <a:pPr marL="457200" lvl="0" indent="-457200">
+              <a:lnSpc>
+                <a:spcPct val="200000"/>
+              </a:lnSpc>
+              <a:buNone/>
+            </a:pPr>
+            <a:r>
+              <a:rPr lang="en-US" sz="2400" dirty="0" smtClean="0"/>
+              <a:t>Technical </a:t>
+            </a:r>
+            <a:r>
+              <a:rPr lang="en-US" sz="2400" dirty="0" smtClean="0"/>
+              <a:t>glitch</a:t>
+            </a:r>
+            <a:endParaRPr lang="en-US" sz="2400" dirty="0" smtClean="0"/>
+          </a:p>
+          <a:p>
+            <a:pPr marL="457200" lvl="0" indent="-457200">
               <a:lnSpc>
                 <a:spcPct val="150000"/>
               </a:lnSpc>
+              <a:buNone/>
             </a:pPr>
             <a:r>
-              <a:rPr lang="en-US" dirty="0" smtClean="0">
-                <a:latin typeface="Times New Roman" pitchFamily="18" charset="0"/>
-                <a:cs typeface="Times New Roman" pitchFamily="18" charset="0"/>
-              </a:rPr>
-              <a:t>Failure Reason 1 and 4 by SOL ID - Visualizes the number of cases  marked with failure reasons 1 and 4 by SOL ID</a:t>
-            </a:r>
-          </a:p>
-          <a:p>
-            <a:pPr algn="just">
+              <a:rPr lang="en-US" sz="2400" dirty="0" smtClean="0"/>
+              <a:t>Principal </a:t>
+            </a:r>
+            <a:r>
+              <a:rPr lang="en-US" sz="2400" dirty="0" smtClean="0"/>
+              <a:t>payment is not due this </a:t>
+            </a:r>
+            <a:r>
+              <a:rPr lang="en-US" sz="2400" dirty="0" smtClean="0"/>
+              <a:t>month</a:t>
+            </a:r>
+            <a:endParaRPr lang="en-US" sz="2400" dirty="0" smtClean="0"/>
+          </a:p>
+          <a:p>
+            <a:pPr marL="457200" lvl="0" indent="-457200">
               <a:lnSpc>
                 <a:spcPct val="150000"/>
               </a:lnSpc>
+              <a:buNone/>
             </a:pPr>
-            <a:endParaRPr lang="en-US" dirty="0" smtClean="0">
-              <a:latin typeface="Times New Roman" pitchFamily="18" charset="0"/>
-              <a:cs typeface="Times New Roman" pitchFamily="18" charset="0"/>
-            </a:endParaRPr>
-          </a:p>
-          <a:p>
-            <a:pPr algn="just">
+            <a:r>
+              <a:rPr lang="en-US" sz="2400" dirty="0" smtClean="0"/>
+              <a:t>Normal </a:t>
+            </a:r>
+            <a:r>
+              <a:rPr lang="en-US" sz="2400" dirty="0" smtClean="0"/>
+              <a:t>interest is zero or customer has no interest </a:t>
+            </a:r>
+            <a:r>
+              <a:rPr lang="en-US" sz="2400" dirty="0" smtClean="0"/>
+              <a:t>due</a:t>
+            </a:r>
+            <a:endParaRPr lang="en-US" sz="2400" dirty="0" smtClean="0"/>
+          </a:p>
+          <a:p>
+            <a:pPr marL="457200" lvl="0" indent="-457200">
               <a:lnSpc>
                 <a:spcPct val="150000"/>
               </a:lnSpc>
+              <a:buClr>
+                <a:schemeClr val="tx1"/>
+              </a:buClr>
+              <a:buSzPct val="100000"/>
+              <a:buNone/>
             </a:pPr>
             <a:r>
-              <a:rPr lang="en-US" dirty="0" smtClean="0">
-                <a:latin typeface="Times New Roman" pitchFamily="18" charset="0"/>
-                <a:cs typeface="Times New Roman" pitchFamily="18" charset="0"/>
-              </a:rPr>
-              <a:t>Failure </a:t>
-            </a:r>
-            <a:r>
-              <a:rPr lang="en-US" dirty="0" smtClean="0">
-                <a:latin typeface="Times New Roman" pitchFamily="18" charset="0"/>
-                <a:cs typeface="Times New Roman" pitchFamily="18" charset="0"/>
-              </a:rPr>
-              <a:t>Reason 1 by CBO SRM </a:t>
-            </a:r>
-            <a:endParaRPr lang="en-US" dirty="0" smtClean="0">
-              <a:latin typeface="Times New Roman" pitchFamily="18" charset="0"/>
-              <a:cs typeface="Times New Roman" pitchFamily="18" charset="0"/>
-            </a:endParaRPr>
-          </a:p>
-          <a:p>
-            <a:pPr algn="just">
-              <a:lnSpc>
-                <a:spcPct val="150000"/>
-              </a:lnSpc>
-            </a:pPr>
-            <a:endParaRPr lang="en-US" dirty="0" smtClean="0">
-              <a:latin typeface="Times New Roman" pitchFamily="18" charset="0"/>
-              <a:cs typeface="Times New Roman" pitchFamily="18" charset="0"/>
-            </a:endParaRPr>
-          </a:p>
-          <a:p>
-            <a:pPr algn="just">
-              <a:lnSpc>
-                <a:spcPct val="150000"/>
-              </a:lnSpc>
-            </a:pPr>
-            <a:r>
-              <a:rPr lang="en-US" dirty="0" smtClean="0">
-                <a:latin typeface="Times New Roman" pitchFamily="18" charset="0"/>
-                <a:cs typeface="Times New Roman" pitchFamily="18" charset="0"/>
-              </a:rPr>
-              <a:t>Failure </a:t>
-            </a:r>
-            <a:r>
-              <a:rPr lang="en-US" dirty="0" smtClean="0">
-                <a:latin typeface="Times New Roman" pitchFamily="18" charset="0"/>
-                <a:cs typeface="Times New Roman" pitchFamily="18" charset="0"/>
-              </a:rPr>
-              <a:t>Reason 4 by CBO SRM</a:t>
-            </a:r>
-          </a:p>
-          <a:p>
-            <a:pPr algn="just">
-              <a:lnSpc>
-                <a:spcPct val="150000"/>
-              </a:lnSpc>
-            </a:pPr>
-            <a:endParaRPr lang="en-US" dirty="0" smtClean="0">
-              <a:latin typeface="Times New Roman" pitchFamily="18" charset="0"/>
-              <a:cs typeface="Times New Roman" pitchFamily="18" charset="0"/>
-            </a:endParaRPr>
-          </a:p>
-          <a:p>
-            <a:pPr algn="just">
-              <a:lnSpc>
-                <a:spcPct val="150000"/>
-              </a:lnSpc>
-            </a:pPr>
-            <a:r>
-              <a:rPr lang="en-US" dirty="0" smtClean="0">
-                <a:latin typeface="Times New Roman" pitchFamily="18" charset="0"/>
-                <a:cs typeface="Times New Roman" pitchFamily="18" charset="0"/>
-              </a:rPr>
-              <a:t>Good Customers by CBO SRM</a:t>
-            </a:r>
-          </a:p>
-          <a:p>
-            <a:endParaRPr lang="en-US" dirty="0"/>
+              <a:rPr lang="en-US" sz="2400" dirty="0" smtClean="0"/>
+              <a:t>Customer data </a:t>
+            </a:r>
+            <a:r>
+              <a:rPr lang="en-US" sz="2400" dirty="0" smtClean="0"/>
+              <a:t>missing</a:t>
+            </a:r>
+            <a:endParaRPr lang="en-US" sz="2400" dirty="0"/>
           </a:p>
         </p:txBody>
       </p:sp>
@@ -7450,6 +7741,13 @@
   <p:clrMapOvr>
     <a:masterClrMapping/>
   </p:clrMapOvr>
+  <p:timing>
+    <p:tnLst>
+      <p:par>
+        <p:cTn id="1" dur="indefinite" restart="never" nodeType="tmRoot"/>
+      </p:par>
+    </p:tnLst>
+  </p:timing>
 </p:sld>
 </file>
 
@@ -7482,16 +7780,18 @@
         </p:nvSpPr>
         <p:spPr>
           <a:xfrm>
-            <a:off x="572655" y="399288"/>
+            <a:off x="508001" y="0"/>
             <a:ext cx="10972800" cy="1143000"/>
           </a:xfrm>
         </p:spPr>
         <p:txBody>
-          <a:bodyPr/>
-          <a:lstStyle/>
-          <a:p>
-            <a:r>
-              <a:rPr lang="en-US" sz="5400" b="1" dirty="0" smtClean="0">
+          <a:bodyPr>
+            <a:normAutofit/>
+          </a:bodyPr>
+          <a:lstStyle/>
+          <a:p>
+            <a:r>
+              <a:rPr lang="en-US" sz="4000" b="1" dirty="0" smtClean="0">
                 <a:solidFill>
                   <a:srgbClr val="FF0000"/>
                 </a:solidFill>
@@ -7500,7 +7800,7 @@
               </a:rPr>
               <a:t>Total Interest Payment by CBO SRM</a:t>
             </a:r>
-            <a:endParaRPr lang="en-US" dirty="0"/>
+            <a:endParaRPr lang="en-US" sz="4000" dirty="0"/>
           </a:p>
         </p:txBody>
       </p:sp>
@@ -7516,29 +7816,23 @@
         </p:nvSpPr>
         <p:spPr>
           <a:xfrm>
-            <a:off x="517236" y="1538317"/>
-            <a:ext cx="10972800" cy="1491211"/>
+            <a:off x="461818" y="1288935"/>
+            <a:ext cx="10963564" cy="1491211"/>
           </a:xfrm>
         </p:spPr>
         <p:txBody>
           <a:bodyPr/>
           <a:lstStyle/>
           <a:p>
+            <a:pPr algn="just"/>
             <a:r>
               <a:rPr lang="en-US" sz="2400" dirty="0" smtClean="0">
-                <a:solidFill>
-                  <a:srgbClr val="0070C0"/>
-                </a:solidFill>
                 <a:latin typeface="Times New Roman" pitchFamily="18" charset="0"/>
                 <a:cs typeface="Times New Roman" pitchFamily="18" charset="0"/>
               </a:rPr>
               <a:t>Visualizes the total amount of interest payment to be received from all customers mapped to a specific CBO SRM. This slide includes a bar chart to display the total interest payment for each CBO SRM.</a:t>
             </a:r>
-            <a:endParaRPr lang="en-US" dirty="0" smtClean="0">
-              <a:solidFill>
-                <a:srgbClr val="0070C0"/>
-              </a:solidFill>
-            </a:endParaRPr>
+            <a:endParaRPr lang="en-US" dirty="0" smtClean="0"/>
           </a:p>
           <a:p>
             <a:endParaRPr lang="en-US" dirty="0"/>
@@ -7583,6 +7877,13 @@
   <p:clrMapOvr>
     <a:masterClrMapping/>
   </p:clrMapOvr>
+  <p:timing>
+    <p:tnLst>
+      <p:par>
+        <p:cTn id="1" dur="indefinite" restart="never" nodeType="tmRoot"/>
+      </p:par>
+    </p:tnLst>
+  </p:timing>
 </p:sld>
 </file>
 
